--- a/Day1/gitflow.pptx
+++ b/Day1/gitflow.pptx
@@ -277,7 +277,7 @@
       <p15:sldGuideLst xmlns:p15="http://schemas.microsoft.com/office/powerpoint/2012/main"/>
     </p:ext>
     <p:ext uri="http://customooxmlschemas.google.com/">
-      <go:slidesCustomData xmlns="" xmlns:mc="http://schemas.openxmlformats.org/markup-compatibility/2006" xmlns:mv="urn:schemas-microsoft-com:mac:vml" xmlns:c="http://schemas.openxmlformats.org/drawingml/2006/chart" xmlns:dgm="http://schemas.openxmlformats.org/drawingml/2006/diagram" xmlns:o="urn:schemas-microsoft-com:office:office" xmlns:v="urn:schemas-microsoft-com:vml" xmlns:pvml="urn:schemas-microsoft-com:office:powerpoint" xmlns:com="http://schemas.openxmlformats.org/drawingml/2006/compatibility" xmlns:p14="http://schemas.microsoft.com/office/powerpoint/2010/main" xmlns:p15="http://schemas.microsoft.com/office/powerpoint/2012/main" xmlns:ahyp="http://schemas.microsoft.com/office/drawing/2018/hyperlinkcolor" xmlns:go="http://customooxmlschemas.google.com/" r:id="rId33" roundtripDataSignature="AMtx7mhACr3GF+oaOhhGKWHfbSq2XX1c1g=="/>
+      <go:slidesCustomData xmlns:go="http://customooxmlschemas.google.com/" xmlns:ahyp="http://schemas.microsoft.com/office/drawing/2018/hyperlinkcolor" xmlns:p15="http://schemas.microsoft.com/office/powerpoint/2012/main" xmlns:p14="http://schemas.microsoft.com/office/powerpoint/2010/main" xmlns:com="http://schemas.openxmlformats.org/drawingml/2006/compatibility" xmlns:pvml="urn:schemas-microsoft-com:office:powerpoint" xmlns:v="urn:schemas-microsoft-com:vml" xmlns:o="urn:schemas-microsoft-com:office:office" xmlns:dgm="http://schemas.openxmlformats.org/drawingml/2006/diagram" xmlns:c="http://schemas.openxmlformats.org/drawingml/2006/chart" xmlns:mv="urn:schemas-microsoft-com:mac:vml" xmlns:mc="http://schemas.openxmlformats.org/markup-compatibility/2006" xmlns="" r:id="rId33" roundtripDataSignature="AMtx7mhACr3GF+oaOhhGKWHfbSq2XX1c1g=="/>
     </p:ext>
   </p:extLst>
 </p:presentation>
@@ -4514,7 +4514,7 @@
           <a:p>
             <a:fld id="{34073DC1-AB27-4363-9845-555972D7C4F0}" type="datetimeFigureOut">
               <a:rPr lang="en-US" smtClean="0"/>
-              <a:t>7/14/24</a:t>
+              <a:t>8/4/25</a:t>
             </a:fld>
             <a:endParaRPr lang="en-US"/>
           </a:p>
@@ -10950,8 +10950,17 @@
               <a:rPr lang="en-US" dirty="0">
                 <a:latin typeface="+mn-lt"/>
               </a:rPr>
-              <a:t>Code/Astro 2024</a:t>
+              <a:t>Code/</a:t>
             </a:r>
+            <a:r>
+              <a:rPr lang="en-US">
+                <a:latin typeface="+mn-lt"/>
+              </a:rPr>
+              <a:t>Astro 2025</a:t>
+            </a:r>
+            <a:endParaRPr lang="en-US" dirty="0">
+              <a:latin typeface="+mn-lt"/>
+            </a:endParaRPr>
           </a:p>
         </p:txBody>
       </p:sp>
@@ -14076,7 +14085,7 @@
         </p:spPr>
         <p:txBody>
           <a:bodyPr spcFirstLastPara="1" wrap="square" lIns="182850" tIns="91400" rIns="182850" bIns="91400" anchor="t" anchorCtr="0">
-            <a:normAutofit fontScale="92500" lnSpcReduction="10000"/>
+            <a:normAutofit fontScale="77500" lnSpcReduction="20000"/>
           </a:bodyPr>
           <a:lstStyle/>
           <a:p>
@@ -14227,7 +14236,7 @@
                 <a:cs typeface="Courier New"/>
                 <a:sym typeface="Courier New"/>
               </a:rPr>
-              <a:t>	&gt; git stash apply</a:t>
+              <a:t>	&gt; git stash pop</a:t>
             </a:r>
           </a:p>
           <a:p>
@@ -14353,6 +14362,40 @@
               </a:rPr>
               <a:t>Perform the merges.</a:t>
             </a:r>
+          </a:p>
+          <a:p>
+            <a:pPr marL="0" indent="0">
+              <a:buNone/>
+            </a:pPr>
+            <a:r>
+              <a:rPr lang="en-US" sz="5400" dirty="0"/>
+              <a:t>NOTE: To push to the same repository, the repository creator will need to add others as collaborators. To do this from the repo’s homepage:</a:t>
+            </a:r>
+          </a:p>
+          <a:p>
+            <a:pPr marL="0" indent="0">
+              <a:buNone/>
+            </a:pPr>
+            <a:r>
+              <a:rPr lang="en-US" sz="5400" dirty="0"/>
+              <a:t>Settings -&gt; Collaborators -&gt; Add People (next to Manage Access) </a:t>
+            </a:r>
+          </a:p>
+          <a:p>
+            <a:pPr marL="685800" indent="-685800">
+              <a:lnSpc>
+                <a:spcPct val="90000"/>
+              </a:lnSpc>
+              <a:spcBef>
+                <a:spcPts val="2000"/>
+              </a:spcBef>
+              <a:buClr>
+                <a:schemeClr val="dk1"/>
+              </a:buClr>
+              <a:buSzPct val="100000"/>
+              <a:buFont typeface="Arial" panose="020B0604020202020204" pitchFamily="34" charset="0"/>
+              <a:buChar char="•"/>
+            </a:pPr>
             <a:endParaRPr dirty="0">
               <a:latin typeface="+mn-lt"/>
               <a:ea typeface="Courier New"/>
@@ -14886,7 +14929,7 @@
         </p:nvSpPr>
         <p:spPr>
           <a:xfrm>
-            <a:off x="8436841" y="2643220"/>
+            <a:off x="5215581" y="5910629"/>
             <a:ext cx="14920110" cy="1200329"/>
           </a:xfrm>
           <a:prstGeom prst="rect">
@@ -14921,7 +14964,7 @@
         </p:nvSpPr>
         <p:spPr>
           <a:xfrm>
-            <a:off x="8436841" y="3932832"/>
+            <a:off x="7111067" y="7289800"/>
             <a:ext cx="14131158" cy="1200329"/>
           </a:xfrm>
           <a:prstGeom prst="rect">
@@ -14956,7 +14999,7 @@
         </p:nvSpPr>
         <p:spPr>
           <a:xfrm>
-            <a:off x="8455663" y="5465242"/>
+            <a:off x="3141775" y="11158993"/>
             <a:ext cx="13815848" cy="1200329"/>
           </a:xfrm>
           <a:prstGeom prst="rect">
@@ -14991,7 +15034,7 @@
         </p:nvSpPr>
         <p:spPr>
           <a:xfrm>
-            <a:off x="8455663" y="7035852"/>
+            <a:off x="3673796" y="8369008"/>
             <a:ext cx="14131158" cy="1200329"/>
           </a:xfrm>
           <a:prstGeom prst="rect">
@@ -15026,7 +15069,7 @@
         </p:nvSpPr>
         <p:spPr>
           <a:xfrm>
-            <a:off x="8436841" y="10126328"/>
+            <a:off x="3673796" y="4740857"/>
             <a:ext cx="17836772" cy="646331"/>
           </a:xfrm>
           <a:prstGeom prst="rect">
@@ -15061,7 +15104,7 @@
         </p:nvSpPr>
         <p:spPr>
           <a:xfrm>
-            <a:off x="8455663" y="8883461"/>
+            <a:off x="2450131" y="3459605"/>
             <a:ext cx="17836772" cy="646331"/>
           </a:xfrm>
           <a:prstGeom prst="rect">
@@ -15096,7 +15139,7 @@
         </p:nvSpPr>
         <p:spPr>
           <a:xfrm>
-            <a:off x="8436841" y="11525624"/>
+            <a:off x="3673796" y="9764000"/>
             <a:ext cx="16346551" cy="1200329"/>
           </a:xfrm>
           <a:prstGeom prst="rect">
